--- a/DOM-DI.pptx
+++ b/DOM-DI.pptx
@@ -228,7 +228,7 @@
           <a:p>
             <a:fld id="{3369A499-AB0E-41E7-8F43-0B644843E13C}" type="datetimeFigureOut">
               <a:rPr lang="ru-RU" smtClean="0"/>
-              <a:t>05.11.2018</a:t>
+              <a:t>13.11.2018</a:t>
             </a:fld>
             <a:endParaRPr lang="ru-RU"/>
           </a:p>
@@ -393,7 +393,7 @@
           <a:p>
             <a:fld id="{65DF805E-4D42-4930-AF02-3208323ECEC0}" type="datetimeFigureOut">
               <a:rPr lang="ru-RU" smtClean="0"/>
-              <a:t>30.10.2018</a:t>
+              <a:t>13.11.2018</a:t>
             </a:fld>
             <a:endParaRPr lang="ru-RU"/>
           </a:p>
@@ -17881,7 +17881,7 @@
           <a:p>
             <a:fld id="{ABEEAFE4-1161-498B-8894-A81D750AFA3C}" type="datetimeFigureOut">
               <a:rPr lang="ru-RU" smtClean="0"/>
-              <a:t>30.10.2018</a:t>
+              <a:t>13.11.2018</a:t>
             </a:fld>
             <a:endParaRPr lang="ru-RU"/>
           </a:p>
@@ -20180,7 +20180,7 @@
           <a:graphicData uri="http://schemas.openxmlformats.org/presentationml/2006/ole">
             <mc:AlternateContent xmlns:mc="http://schemas.openxmlformats.org/markup-compatibility/2006">
               <mc:Choice xmlns:v="urn:schemas-microsoft-com:vml" Requires="v">
-                <p:oleObj spid="_x0000_s1039" name="Bitmap Image" r:id="rId4" imgW="4823640" imgH="2011680" progId="Paint.Picture">
+                <p:oleObj spid="_x0000_s1042" name="Bitmap Image" r:id="rId4" imgW="4823640" imgH="2011680" progId="Paint.Picture">
                   <p:embed/>
                 </p:oleObj>
               </mc:Choice>
@@ -20262,7 +20262,7 @@
           <a:p>
             <a:r>
               <a:rPr lang="en-GB" dirty="0"/>
-              <a:t>Web components</a:t>
+              <a:t>Components</a:t>
             </a:r>
             <a:endParaRPr lang="ru-RU" dirty="0"/>
           </a:p>
@@ -21499,7 +21499,7 @@
         <p:spPr>
           <a:xfrm>
             <a:off x="3775123" y="1370173"/>
-            <a:ext cx="2741520" cy="1569660"/>
+            <a:ext cx="3115148" cy="1569660"/>
           </a:xfrm>
           <a:prstGeom prst="rect">
             <a:avLst/>
@@ -21528,7 +21528,7 @@
             </a:pPr>
             <a:r>
               <a:rPr lang="en-GB" sz="2400" dirty="0"/>
-              <a:t>&lt;template&gt; &lt;slot&gt;</a:t>
+              <a:t>Shadow DOM</a:t>
             </a:r>
           </a:p>
           <a:p>
@@ -21538,7 +21538,7 @@
             </a:pPr>
             <a:r>
               <a:rPr lang="en-GB" sz="2400" dirty="0"/>
-              <a:t>Shadow DOM</a:t>
+              <a:t>&lt;template&gt; &lt;slot&gt;</a:t>
             </a:r>
           </a:p>
           <a:p>
@@ -21548,7 +21548,11 @@
             </a:pPr>
             <a:r>
               <a:rPr lang="en-GB" sz="2400" dirty="0"/>
-              <a:t>HTML Imports</a:t>
+              <a:t>ES6 modules </a:t>
+            </a:r>
+            <a:r>
+              <a:rPr lang="en-GB" sz="1200" dirty="0"/>
+              <a:t>(HTML Imports)</a:t>
             </a:r>
           </a:p>
         </p:txBody>
